--- a/documents/TestNG.pptx
+++ b/documents/TestNG.pptx
@@ -5,7 +5,7 @@
     <p:sldMasterId id="2147483743" r:id="rId1"/>
   </p:sldMasterIdLst>
   <p:notesMasterIdLst>
-    <p:notesMasterId r:id="rId18"/>
+    <p:notesMasterId r:id="rId17"/>
   </p:notesMasterIdLst>
   <p:sldIdLst>
     <p:sldId id="256" r:id="rId2"/>
@@ -18,12 +18,11 @@
     <p:sldId id="269" r:id="rId9"/>
     <p:sldId id="270" r:id="rId10"/>
     <p:sldId id="271" r:id="rId11"/>
-    <p:sldId id="272" r:id="rId12"/>
-    <p:sldId id="257" r:id="rId13"/>
-    <p:sldId id="258" r:id="rId14"/>
-    <p:sldId id="259" r:id="rId15"/>
-    <p:sldId id="260" r:id="rId16"/>
-    <p:sldId id="261" r:id="rId17"/>
+    <p:sldId id="257" r:id="rId12"/>
+    <p:sldId id="258" r:id="rId13"/>
+    <p:sldId id="259" r:id="rId14"/>
+    <p:sldId id="260" r:id="rId15"/>
+    <p:sldId id="261" r:id="rId16"/>
   </p:sldIdLst>
   <p:sldSz cx="12192000" cy="6858000"/>
   <p:notesSz cx="6858000" cy="9144000"/>
@@ -212,7 +211,7 @@
           <a:p>
             <a:fld id="{91B74234-E7C6-0240-8158-3C3E271732E4}" type="datetimeFigureOut">
               <a:rPr lang="en-US" smtClean="0"/>
-              <a:t>4/29/17</a:t>
+              <a:t>6/24/17</a:t>
             </a:fld>
             <a:endParaRPr lang="en-US"/>
           </a:p>
@@ -1052,7 +1051,7 @@
           <a:p>
             <a:fld id="{393990FC-3B63-414E-9DDF-D15BA9A2853D}" type="slidenum">
               <a:rPr lang="en-US" smtClean="0"/>
-              <a:t>12</a:t>
+              <a:t>11</a:t>
             </a:fld>
             <a:endParaRPr lang="en-US"/>
           </a:p>
@@ -2285,7 +2284,7 @@
           <a:p>
             <a:fld id="{55B84EAF-7AC8-DB45-B734-B3D74D55193E}" type="datetimeFigureOut">
               <a:rPr lang="en-US" smtClean="0"/>
-              <a:t>4/29/17</a:t>
+              <a:t>6/24/17</a:t>
             </a:fld>
             <a:endParaRPr lang="en-US"/>
           </a:p>
@@ -2576,7 +2575,7 @@
           <a:p>
             <a:fld id="{55B84EAF-7AC8-DB45-B734-B3D74D55193E}" type="datetimeFigureOut">
               <a:rPr lang="en-US" smtClean="0"/>
-              <a:t>4/29/17</a:t>
+              <a:t>6/24/17</a:t>
             </a:fld>
             <a:endParaRPr lang="en-US"/>
           </a:p>
@@ -2819,7 +2818,7 @@
           <a:p>
             <a:fld id="{55B84EAF-7AC8-DB45-B734-B3D74D55193E}" type="datetimeFigureOut">
               <a:rPr lang="en-US" smtClean="0"/>
-              <a:t>4/29/17</a:t>
+              <a:t>6/24/17</a:t>
             </a:fld>
             <a:endParaRPr lang="en-US"/>
           </a:p>
@@ -3354,7 +3353,7 @@
           <a:p>
             <a:fld id="{55B84EAF-7AC8-DB45-B734-B3D74D55193E}" type="datetimeFigureOut">
               <a:rPr lang="en-US" smtClean="0"/>
-              <a:t>4/29/17</a:t>
+              <a:t>6/24/17</a:t>
             </a:fld>
             <a:endParaRPr lang="en-US"/>
           </a:p>
@@ -3597,7 +3596,7 @@
           <a:p>
             <a:fld id="{55B84EAF-7AC8-DB45-B734-B3D74D55193E}" type="datetimeFigureOut">
               <a:rPr lang="en-US" smtClean="0"/>
-              <a:t>4/29/17</a:t>
+              <a:t>6/24/17</a:t>
             </a:fld>
             <a:endParaRPr lang="en-US"/>
           </a:p>
@@ -4124,7 +4123,7 @@
           <a:p>
             <a:fld id="{55B84EAF-7AC8-DB45-B734-B3D74D55193E}" type="datetimeFigureOut">
               <a:rPr lang="en-US" smtClean="0"/>
-              <a:t>4/29/17</a:t>
+              <a:t>6/24/17</a:t>
             </a:fld>
             <a:endParaRPr lang="en-US"/>
           </a:p>
@@ -4416,7 +4415,7 @@
           <a:p>
             <a:fld id="{55B84EAF-7AC8-DB45-B734-B3D74D55193E}" type="datetimeFigureOut">
               <a:rPr lang="en-US" smtClean="0"/>
-              <a:t>4/29/17</a:t>
+              <a:t>6/24/17</a:t>
             </a:fld>
             <a:endParaRPr lang="en-US"/>
           </a:p>
@@ -4585,7 +4584,7 @@
           <a:p>
             <a:fld id="{55B84EAF-7AC8-DB45-B734-B3D74D55193E}" type="datetimeFigureOut">
               <a:rPr lang="en-US" smtClean="0"/>
-              <a:t>4/29/17</a:t>
+              <a:t>6/24/17</a:t>
             </a:fld>
             <a:endParaRPr lang="en-US"/>
           </a:p>
@@ -4760,7 +4759,7 @@
           <a:p>
             <a:fld id="{55B84EAF-7AC8-DB45-B734-B3D74D55193E}" type="datetimeFigureOut">
               <a:rPr lang="en-US" smtClean="0"/>
-              <a:t>4/29/17</a:t>
+              <a:t>6/24/17</a:t>
             </a:fld>
             <a:endParaRPr lang="en-US"/>
           </a:p>
@@ -4925,7 +4924,7 @@
           <a:p>
             <a:fld id="{55B84EAF-7AC8-DB45-B734-B3D74D55193E}" type="datetimeFigureOut">
               <a:rPr lang="en-US" smtClean="0"/>
-              <a:t>4/29/17</a:t>
+              <a:t>6/24/17</a:t>
             </a:fld>
             <a:endParaRPr lang="en-US"/>
           </a:p>
@@ -5171,7 +5170,7 @@
           <a:p>
             <a:fld id="{55B84EAF-7AC8-DB45-B734-B3D74D55193E}" type="datetimeFigureOut">
               <a:rPr lang="en-US" smtClean="0"/>
-              <a:t>4/29/17</a:t>
+              <a:t>6/24/17</a:t>
             </a:fld>
             <a:endParaRPr lang="en-US"/>
           </a:p>
@@ -5463,7 +5462,7 @@
           <a:p>
             <a:fld id="{55B84EAF-7AC8-DB45-B734-B3D74D55193E}" type="datetimeFigureOut">
               <a:rPr lang="en-US" smtClean="0"/>
-              <a:t>4/29/17</a:t>
+              <a:t>6/24/17</a:t>
             </a:fld>
             <a:endParaRPr lang="en-US"/>
           </a:p>
@@ -5900,7 +5899,7 @@
           <a:p>
             <a:fld id="{55B84EAF-7AC8-DB45-B734-B3D74D55193E}" type="datetimeFigureOut">
               <a:rPr lang="en-US" smtClean="0"/>
-              <a:t>4/29/17</a:t>
+              <a:t>6/24/17</a:t>
             </a:fld>
             <a:endParaRPr lang="en-US"/>
           </a:p>
@@ -6013,7 +6012,7 @@
           <a:p>
             <a:fld id="{55B84EAF-7AC8-DB45-B734-B3D74D55193E}" type="datetimeFigureOut">
               <a:rPr lang="en-US" smtClean="0"/>
-              <a:t>4/29/17</a:t>
+              <a:t>6/24/17</a:t>
             </a:fld>
             <a:endParaRPr lang="en-US"/>
           </a:p>
@@ -6103,7 +6102,7 @@
           <a:p>
             <a:fld id="{55B84EAF-7AC8-DB45-B734-B3D74D55193E}" type="datetimeFigureOut">
               <a:rPr lang="en-US" smtClean="0"/>
-              <a:t>4/29/17</a:t>
+              <a:t>6/24/17</a:t>
             </a:fld>
             <a:endParaRPr lang="en-US"/>
           </a:p>
@@ -6381,7 +6380,7 @@
           <a:p>
             <a:fld id="{55B84EAF-7AC8-DB45-B734-B3D74D55193E}" type="datetimeFigureOut">
               <a:rPr lang="en-US" smtClean="0"/>
-              <a:t>4/29/17</a:t>
+              <a:t>6/24/17</a:t>
             </a:fld>
             <a:endParaRPr lang="en-US"/>
           </a:p>
@@ -6667,7 +6666,7 @@
           <a:p>
             <a:fld id="{55B84EAF-7AC8-DB45-B734-B3D74D55193E}" type="datetimeFigureOut">
               <a:rPr lang="en-US" smtClean="0"/>
-              <a:t>4/29/17</a:t>
+              <a:t>6/24/17</a:t>
             </a:fld>
             <a:endParaRPr lang="en-US"/>
           </a:p>
@@ -7192,7 +7191,7 @@
           <a:p>
             <a:fld id="{55B84EAF-7AC8-DB45-B734-B3D74D55193E}" type="datetimeFigureOut">
               <a:rPr lang="en-US" smtClean="0"/>
-              <a:t>4/29/17</a:t>
+              <a:t>6/24/17</a:t>
             </a:fld>
             <a:endParaRPr lang="en-US"/>
           </a:p>
@@ -7973,94 +7972,6 @@
           <a:lstStyle/>
           <a:p>
             <a:r>
-              <a:rPr lang="en-US" altLang="zh-CN" dirty="0" smtClean="0"/>
-              <a:t>Maven</a:t>
-            </a:r>
-            <a:r>
-              <a:rPr lang="zh-CN" altLang="en-US" dirty="0" smtClean="0"/>
-              <a:t> </a:t>
-            </a:r>
-            <a:r>
-              <a:rPr lang="en-US" altLang="zh-CN" dirty="0" smtClean="0"/>
-              <a:t>with</a:t>
-            </a:r>
-            <a:r>
-              <a:rPr lang="zh-CN" altLang="en-US" dirty="0" smtClean="0"/>
-              <a:t> </a:t>
-            </a:r>
-            <a:r>
-              <a:rPr lang="en-US" altLang="zh-CN" dirty="0" err="1" smtClean="0"/>
-              <a:t>Testng</a:t>
-            </a:r>
-            <a:endParaRPr lang="en-US" dirty="0"/>
-          </a:p>
-        </p:txBody>
-      </p:sp>
-      <p:sp>
-        <p:nvSpPr>
-          <p:cNvPr id="3" name="Content Placeholder 2"/>
-          <p:cNvSpPr>
-            <a:spLocks noGrp="1"/>
-          </p:cNvSpPr>
-          <p:nvPr>
-            <p:ph idx="1"/>
-          </p:nvPr>
-        </p:nvSpPr>
-        <p:spPr/>
-        <p:txBody>
-          <a:bodyPr/>
-          <a:lstStyle/>
-          <a:p>
-            <a:endParaRPr lang="en-US"/>
-          </a:p>
-        </p:txBody>
-      </p:sp>
-    </p:spTree>
-    <p:extLst>
-      <p:ext uri="{BB962C8B-B14F-4D97-AF65-F5344CB8AC3E}">
-        <p14:creationId xmlns:p14="http://schemas.microsoft.com/office/powerpoint/2010/main" val="358787956"/>
-      </p:ext>
-    </p:extLst>
-  </p:cSld>
-  <p:clrMapOvr>
-    <a:masterClrMapping/>
-  </p:clrMapOvr>
-</p:sld>
-</file>
-
-<file path=ppt/slides/slide12.xml><?xml version="1.0" encoding="utf-8"?>
-<p:sld xmlns:a="http://schemas.openxmlformats.org/drawingml/2006/main" xmlns:r="http://schemas.openxmlformats.org/officeDocument/2006/relationships" xmlns:p="http://schemas.openxmlformats.org/presentationml/2006/main">
-  <p:cSld>
-    <p:spTree>
-      <p:nvGrpSpPr>
-        <p:cNvPr id="1" name=""/>
-        <p:cNvGrpSpPr/>
-        <p:nvPr/>
-      </p:nvGrpSpPr>
-      <p:grpSpPr>
-        <a:xfrm>
-          <a:off x="0" y="0"/>
-          <a:ext cx="0" cy="0"/>
-          <a:chOff x="0" y="0"/>
-          <a:chExt cx="0" cy="0"/>
-        </a:xfrm>
-      </p:grpSpPr>
-      <p:sp>
-        <p:nvSpPr>
-          <p:cNvPr id="2" name="Title 1"/>
-          <p:cNvSpPr>
-            <a:spLocks noGrp="1"/>
-          </p:cNvSpPr>
-          <p:nvPr>
-            <p:ph type="title"/>
-          </p:nvPr>
-        </p:nvSpPr>
-        <p:spPr/>
-        <p:txBody>
-          <a:bodyPr/>
-          <a:lstStyle/>
-          <a:p>
-            <a:r>
               <a:rPr lang="en-US" b="1" dirty="0"/>
               <a:t>Using Suite XML Files</a:t>
             </a:r>
@@ -8113,7 +8024,7 @@
 </p:sld>
 </file>
 
-<file path=ppt/slides/slide13.xml><?xml version="1.0" encoding="utf-8"?>
+<file path=ppt/slides/slide12.xml><?xml version="1.0" encoding="utf-8"?>
 <p:sld xmlns:a="http://schemas.openxmlformats.org/drawingml/2006/main" xmlns:r="http://schemas.openxmlformats.org/officeDocument/2006/relationships" xmlns:p="http://schemas.openxmlformats.org/presentationml/2006/main">
   <p:cSld>
     <p:spTree>
@@ -8202,7 +8113,7 @@
 </p:sld>
 </file>
 
-<file path=ppt/slides/slide14.xml><?xml version="1.0" encoding="utf-8"?>
+<file path=ppt/slides/slide13.xml><?xml version="1.0" encoding="utf-8"?>
 <p:sld xmlns:a="http://schemas.openxmlformats.org/drawingml/2006/main" xmlns:r="http://schemas.openxmlformats.org/officeDocument/2006/relationships" xmlns:p="http://schemas.openxmlformats.org/presentationml/2006/main">
   <p:cSld>
     <p:spTree>
@@ -8292,7 +8203,7 @@
 </p:sld>
 </file>
 
-<file path=ppt/slides/slide15.xml><?xml version="1.0" encoding="utf-8"?>
+<file path=ppt/slides/slide14.xml><?xml version="1.0" encoding="utf-8"?>
 <p:sld xmlns:a="http://schemas.openxmlformats.org/drawingml/2006/main" xmlns:r="http://schemas.openxmlformats.org/officeDocument/2006/relationships" xmlns:p="http://schemas.openxmlformats.org/presentationml/2006/main">
   <p:cSld>
     <p:spTree>
@@ -8382,7 +8293,7 @@
 </p:sld>
 </file>
 
-<file path=ppt/slides/slide16.xml><?xml version="1.0" encoding="utf-8"?>
+<file path=ppt/slides/slide15.xml><?xml version="1.0" encoding="utf-8"?>
 <p:sld xmlns:a="http://schemas.openxmlformats.org/drawingml/2006/main" xmlns:r="http://schemas.openxmlformats.org/officeDocument/2006/relationships" xmlns:p="http://schemas.openxmlformats.org/presentationml/2006/main">
   <p:cSld>
     <p:spTree>
